--- a/VLSI presentation Gossel Dial Krehlik.pptx
+++ b/VLSI presentation Gossel Dial Krehlik.pptx
@@ -208,7 +208,7 @@
           <a:p>
             <a:fld id="{AD5DE4DC-380A-3540-A5B4-9CD140B81EB9}" type="datetimeFigureOut">
               <a:rPr lang="en-US" smtClean="0"/>
-              <a:t>4/28/2017</a:t>
+              <a:t>5/1/2017</a:t>
             </a:fld>
             <a:endParaRPr lang="en-US"/>
           </a:p>
@@ -791,7 +791,7 @@
           <a:p>
             <a:fld id="{CA028ED5-8265-C842-8712-DAA74FFD4457}" type="datetimeFigureOut">
               <a:rPr lang="en-US" smtClean="0"/>
-              <a:t>4/28/2017</a:t>
+              <a:t>5/1/2017</a:t>
             </a:fld>
             <a:endParaRPr lang="en-US"/>
           </a:p>
@@ -1018,7 +1018,7 @@
           <a:p>
             <a:fld id="{CA028ED5-8265-C842-8712-DAA74FFD4457}" type="datetimeFigureOut">
               <a:rPr lang="en-US" smtClean="0"/>
-              <a:t>4/28/2017</a:t>
+              <a:t>5/1/2017</a:t>
             </a:fld>
             <a:endParaRPr lang="en-US"/>
           </a:p>
@@ -1345,7 +1345,7 @@
           <a:p>
             <a:fld id="{CA028ED5-8265-C842-8712-DAA74FFD4457}" type="datetimeFigureOut">
               <a:rPr lang="en-US" smtClean="0"/>
-              <a:t>4/28/2017</a:t>
+              <a:t>5/1/2017</a:t>
             </a:fld>
             <a:endParaRPr lang="en-US"/>
           </a:p>
@@ -2406,7 +2406,6 @@
               <a:rPr lang="en-US" dirty="0" smtClean="0"/>
               <a:t>After testing individual gates, connect to represent logic for output segments a - g</a:t>
             </a:r>
-            <a:endParaRPr lang="en-US" dirty="0" smtClean="0"/>
           </a:p>
         </p:txBody>
       </p:sp>
@@ -2717,7 +2716,12 @@
             <p:ph type="title"/>
           </p:nvPr>
         </p:nvSpPr>
-        <p:spPr/>
+        <p:spPr>
+          <a:xfrm>
+            <a:off x="457200" y="-157162"/>
+            <a:ext cx="8229600" cy="1143000"/>
+          </a:xfrm>
+        </p:spPr>
         <p:txBody>
           <a:bodyPr>
             <a:normAutofit/>
@@ -2763,8 +2767,8 @@
         </p:blipFill>
         <p:spPr bwMode="auto">
           <a:xfrm>
-            <a:off x="889000" y="1789486"/>
-            <a:ext cx="7515224" cy="3970494"/>
+            <a:off x="549522" y="1257300"/>
+            <a:ext cx="8478198" cy="4708152"/>
           </a:xfrm>
           <a:prstGeom prst="rect">
             <a:avLst/>
@@ -2781,6 +2785,113 @@
           </a:extLst>
         </p:spPr>
       </p:pic>
+      <p:sp>
+        <p:nvSpPr>
+          <p:cNvPr id="3" name="TextBox 2"/>
+          <p:cNvSpPr txBox="1"/>
+          <p:nvPr/>
+        </p:nvSpPr>
+        <p:spPr>
+          <a:xfrm>
+            <a:off x="-107703" y="1257300"/>
+            <a:ext cx="657225" cy="4662815"/>
+          </a:xfrm>
+          <a:prstGeom prst="rect">
+            <a:avLst/>
+          </a:prstGeom>
+          <a:noFill/>
+        </p:spPr>
+        <p:txBody>
+          <a:bodyPr wrap="square" rtlCol="0">
+            <a:spAutoFit/>
+          </a:bodyPr>
+          <a:lstStyle/>
+          <a:p>
+            <a:pPr algn="r"/>
+            <a:r>
+              <a:rPr lang="en-US" sz="2700" dirty="0" smtClean="0"/>
+              <a:t>A</a:t>
+            </a:r>
+          </a:p>
+          <a:p>
+            <a:pPr algn="r"/>
+            <a:r>
+              <a:rPr lang="en-US" sz="2700" dirty="0" smtClean="0"/>
+              <a:t>B</a:t>
+            </a:r>
+          </a:p>
+          <a:p>
+            <a:pPr algn="r"/>
+            <a:r>
+              <a:rPr lang="en-US" sz="2700" dirty="0" smtClean="0"/>
+              <a:t>C</a:t>
+            </a:r>
+          </a:p>
+          <a:p>
+            <a:pPr algn="r"/>
+            <a:r>
+              <a:rPr lang="en-US" sz="2700" dirty="0" smtClean="0"/>
+              <a:t>D</a:t>
+            </a:r>
+          </a:p>
+          <a:p>
+            <a:pPr algn="r"/>
+            <a:r>
+              <a:rPr lang="en-US" sz="2700" dirty="0" err="1" smtClean="0"/>
+              <a:t>sA</a:t>
+            </a:r>
+            <a:endParaRPr lang="en-US" sz="2700" dirty="0" smtClean="0"/>
+          </a:p>
+          <a:p>
+            <a:pPr algn="r"/>
+            <a:r>
+              <a:rPr lang="en-US" sz="2700" dirty="0" err="1" smtClean="0"/>
+              <a:t>sB</a:t>
+            </a:r>
+            <a:endParaRPr lang="en-US" sz="2700" dirty="0" smtClean="0"/>
+          </a:p>
+          <a:p>
+            <a:pPr algn="r"/>
+            <a:r>
+              <a:rPr lang="en-US" sz="2700" dirty="0" err="1" smtClean="0"/>
+              <a:t>sC</a:t>
+            </a:r>
+            <a:endParaRPr lang="en-US" sz="2700" dirty="0" smtClean="0"/>
+          </a:p>
+          <a:p>
+            <a:pPr algn="r"/>
+            <a:r>
+              <a:rPr lang="en-US" sz="2700" dirty="0" err="1" smtClean="0"/>
+              <a:t>sD</a:t>
+            </a:r>
+            <a:endParaRPr lang="en-US" sz="2700" dirty="0" smtClean="0"/>
+          </a:p>
+          <a:p>
+            <a:pPr algn="r"/>
+            <a:r>
+              <a:rPr lang="en-US" sz="2700" dirty="0" err="1" smtClean="0"/>
+              <a:t>sE</a:t>
+            </a:r>
+            <a:endParaRPr lang="en-US" sz="2700" dirty="0" smtClean="0"/>
+          </a:p>
+          <a:p>
+            <a:pPr algn="r"/>
+            <a:r>
+              <a:rPr lang="en-US" sz="2700" dirty="0" err="1" smtClean="0"/>
+              <a:t>sF</a:t>
+            </a:r>
+            <a:endParaRPr lang="en-US" sz="2700" dirty="0" smtClean="0"/>
+          </a:p>
+          <a:p>
+            <a:pPr algn="r"/>
+            <a:r>
+              <a:rPr lang="en-US" sz="2700" dirty="0" err="1" smtClean="0"/>
+              <a:t>sG</a:t>
+            </a:r>
+            <a:endParaRPr lang="en-US" sz="2700" dirty="0" smtClean="0"/>
+          </a:p>
+        </p:txBody>
+      </p:sp>
     </p:spTree>
     <p:extLst>
       <p:ext uri="{BB962C8B-B14F-4D97-AF65-F5344CB8AC3E}">
@@ -2922,6 +3033,13 @@
   <p:clrMapOvr>
     <a:masterClrMapping/>
   </p:clrMapOvr>
+  <p:timing>
+    <p:tnLst>
+      <p:par>
+        <p:cTn id="1" dur="indefinite" restart="never" nodeType="tmRoot"/>
+      </p:par>
+    </p:tnLst>
+  </p:timing>
 </p:sld>
 </file>
 
@@ -3268,7 +3386,6 @@
               <a:rPr lang="en-US" dirty="0" smtClean="0"/>
               <a:t>Testing and Results</a:t>
             </a:r>
-            <a:endParaRPr lang="en-US" dirty="0" smtClean="0"/>
           </a:p>
         </p:txBody>
       </p:sp>
@@ -3381,7 +3498,12 @@
             <p:ph type="title"/>
           </p:nvPr>
         </p:nvSpPr>
-        <p:spPr/>
+        <p:spPr>
+          <a:xfrm>
+            <a:off x="457200" y="282576"/>
+            <a:ext cx="8229600" cy="1143000"/>
+          </a:xfrm>
+        </p:spPr>
         <p:txBody>
           <a:bodyPr/>
           <a:lstStyle/>
@@ -3425,7 +3547,7 @@
       </p:sp>
       <p:pic>
         <p:nvPicPr>
-          <p:cNvPr id="8" name="Picture 2" descr="block"/>
+          <p:cNvPr id="1026" name="Picture 2" descr="C:\Users\Ryker\Desktop\main-qimg-44e090fc730fd197f4805452b33bae24.png"/>
           <p:cNvPicPr>
             <a:picLocks noChangeAspect="1" noChangeArrowheads="1"/>
           </p:cNvPicPr>
@@ -3446,16 +3568,13 @@
         </p:blipFill>
         <p:spPr bwMode="auto">
           <a:xfrm>
-            <a:off x="4572000" y="1417638"/>
-            <a:ext cx="4305271" cy="3800888"/>
+            <a:off x="4638675" y="2185985"/>
+            <a:ext cx="4371975" cy="2486025"/>
           </a:xfrm>
           <a:prstGeom prst="rect">
             <a:avLst/>
           </a:prstGeom>
           <a:noFill/>
-          <a:ln>
-            <a:noFill/>
-          </a:ln>
           <a:extLst>
             <a:ext uri="{909E8E84-426E-40DD-AFC4-6F175D3DCCD1}">
               <a14:hiddenFill xmlns:a14="http://schemas.microsoft.com/office/drawing/2010/main">
@@ -3464,19 +3583,56 @@
                 </a:solidFill>
               </a14:hiddenFill>
             </a:ext>
-            <a:ext uri="{91240B29-F687-4F45-9708-019B960494DF}">
-              <a14:hiddenLine xmlns:a14="http://schemas.microsoft.com/office/drawing/2010/main" w="9525">
-                <a:solidFill>
-                  <a:srgbClr val="000000"/>
-                </a:solidFill>
-                <a:miter lim="800000"/>
-                <a:headEnd/>
-                <a:tailEnd/>
-              </a14:hiddenLine>
-            </a:ext>
           </a:extLst>
         </p:spPr>
       </p:pic>
+      <p:sp>
+        <p:nvSpPr>
+          <p:cNvPr id="2" name="Rectangle 1"/>
+          <p:cNvSpPr/>
+          <p:nvPr/>
+        </p:nvSpPr>
+        <p:spPr>
+          <a:xfrm>
+            <a:off x="5505449" y="3771900"/>
+            <a:ext cx="695325" cy="219075"/>
+          </a:xfrm>
+          <a:prstGeom prst="rect">
+            <a:avLst/>
+          </a:prstGeom>
+          <a:solidFill>
+            <a:schemeClr val="bg1"/>
+          </a:solidFill>
+          <a:ln>
+            <a:solidFill>
+              <a:schemeClr val="bg1"/>
+            </a:solidFill>
+          </a:ln>
+          <a:effectLst/>
+        </p:spPr>
+        <p:style>
+          <a:lnRef idx="1">
+            <a:schemeClr val="accent1"/>
+          </a:lnRef>
+          <a:fillRef idx="3">
+            <a:schemeClr val="accent1"/>
+          </a:fillRef>
+          <a:effectRef idx="2">
+            <a:schemeClr val="accent1"/>
+          </a:effectRef>
+          <a:fontRef idx="minor">
+            <a:schemeClr val="lt1"/>
+          </a:fontRef>
+        </p:style>
+        <p:txBody>
+          <a:bodyPr rtlCol="0" anchor="ctr"/>
+          <a:lstStyle/>
+          <a:p>
+            <a:pPr algn="ctr"/>
+            <a:endParaRPr lang="en-US"/>
+          </a:p>
+        </p:txBody>
+      </p:sp>
     </p:spTree>
     <p:extLst>
       <p:ext uri="{BB962C8B-B14F-4D97-AF65-F5344CB8AC3E}">
@@ -3487,6 +3643,13 @@
   <p:clrMapOvr>
     <a:masterClrMapping/>
   </p:clrMapOvr>
+  <p:timing>
+    <p:tnLst>
+      <p:par>
+        <p:cTn id="1" dur="indefinite" restart="never" nodeType="tmRoot"/>
+      </p:par>
+    </p:tnLst>
+  </p:timing>
 </p:sld>
 </file>
 
@@ -3609,6 +3772,13 @@
   <p:clrMapOvr>
     <a:masterClrMapping/>
   </p:clrMapOvr>
+  <p:timing>
+    <p:tnLst>
+      <p:par>
+        <p:cTn id="1" dur="indefinite" restart="never" nodeType="tmRoot"/>
+      </p:par>
+    </p:tnLst>
+  </p:timing>
 </p:sld>
 </file>
 
@@ -3798,6 +3968,13 @@
   <p:clrMapOvr>
     <a:masterClrMapping/>
   </p:clrMapOvr>
+  <p:timing>
+    <p:tnLst>
+      <p:par>
+        <p:cTn id="1" dur="indefinite" restart="never" nodeType="tmRoot"/>
+      </p:par>
+    </p:tnLst>
+  </p:timing>
 </p:sld>
 </file>
 

--- a/VLSI presentation Gossel Dial Krehlik.pptx
+++ b/VLSI presentation Gossel Dial Krehlik.pptx
@@ -5,7 +5,7 @@
     <p:sldMasterId id="2147483660" r:id="rId1"/>
   </p:sldMasterIdLst>
   <p:notesMasterIdLst>
-    <p:notesMasterId r:id="rId19"/>
+    <p:notesMasterId r:id="rId20"/>
   </p:notesMasterIdLst>
   <p:sldIdLst>
     <p:sldId id="256" r:id="rId2"/>
@@ -21,10 +21,11 @@
     <p:sldId id="296" r:id="rId12"/>
     <p:sldId id="304" r:id="rId13"/>
     <p:sldId id="303" r:id="rId14"/>
-    <p:sldId id="295" r:id="rId15"/>
-    <p:sldId id="282" r:id="rId16"/>
-    <p:sldId id="302" r:id="rId17"/>
-    <p:sldId id="283" r:id="rId18"/>
+    <p:sldId id="309" r:id="rId15"/>
+    <p:sldId id="295" r:id="rId16"/>
+    <p:sldId id="282" r:id="rId17"/>
+    <p:sldId id="302" r:id="rId18"/>
+    <p:sldId id="283" r:id="rId19"/>
   </p:sldIdLst>
   <p:sldSz cx="9144000" cy="6858000" type="screen4x3"/>
   <p:notesSz cx="6858000" cy="9144000"/>
@@ -2970,6 +2971,159 @@
             <p:ph sz="half" idx="1"/>
           </p:nvPr>
         </p:nvSpPr>
+        <p:spPr>
+          <a:xfrm>
+            <a:off x="457200" y="1600199"/>
+            <a:ext cx="8229600" cy="4523260"/>
+          </a:xfrm>
+        </p:spPr>
+        <p:txBody>
+          <a:bodyPr>
+            <a:normAutofit lnSpcReduction="10000"/>
+          </a:bodyPr>
+          <a:lstStyle/>
+          <a:p>
+            <a:r>
+              <a:rPr lang="en-US" dirty="0" smtClean="0"/>
+              <a:t>UC Berkley for developing Magic and Spice</a:t>
+            </a:r>
+          </a:p>
+          <a:p>
+            <a:r>
+              <a:rPr lang="en-US" dirty="0" smtClean="0"/>
+              <a:t>Linus Torvalds for the Linux Kernel</a:t>
+            </a:r>
+          </a:p>
+          <a:p>
+            <a:r>
+              <a:rPr lang="en-US" dirty="0" smtClean="0"/>
+              <a:t>Microsoft for C#</a:t>
+            </a:r>
+          </a:p>
+          <a:p>
+            <a:r>
+              <a:rPr lang="en-US" dirty="0" err="1" smtClean="0"/>
+              <a:t>MathWorks</a:t>
+            </a:r>
+            <a:r>
+              <a:rPr lang="en-US" dirty="0" smtClean="0"/>
+              <a:t> for MATLAB</a:t>
+            </a:r>
+          </a:p>
+          <a:p>
+            <a:r>
+              <a:rPr lang="en-US" dirty="0" smtClean="0"/>
+              <a:t>Dana Thomas and James Johnson</a:t>
+            </a:r>
+          </a:p>
+          <a:p>
+            <a:r>
+              <a:rPr lang="en-US" dirty="0" smtClean="0"/>
+              <a:t>Doug Goering</a:t>
+            </a:r>
+          </a:p>
+          <a:p>
+            <a:r>
+              <a:rPr lang="en-US" dirty="0" smtClean="0"/>
+              <a:t>Ross Nelson</a:t>
+            </a:r>
+          </a:p>
+          <a:p>
+            <a:r>
+              <a:rPr lang="en-US" dirty="0" smtClean="0"/>
+              <a:t>Logan Graves</a:t>
+            </a:r>
+          </a:p>
+          <a:p>
+            <a:r>
+              <a:rPr lang="en-US" dirty="0" smtClean="0"/>
+              <a:t>Brandon </a:t>
+            </a:r>
+            <a:r>
+              <a:rPr lang="en-US" dirty="0" err="1"/>
+              <a:t>B</a:t>
+            </a:r>
+            <a:r>
+              <a:rPr lang="en-US" dirty="0" err="1" smtClean="0"/>
+              <a:t>urgett</a:t>
+            </a:r>
+            <a:endParaRPr lang="en-US" dirty="0" smtClean="0"/>
+          </a:p>
+          <a:p>
+            <a:endParaRPr lang="en-US" dirty="0" smtClean="0"/>
+          </a:p>
+        </p:txBody>
+      </p:sp>
+    </p:spTree>
+    <p:extLst>
+      <p:ext uri="{BB962C8B-B14F-4D97-AF65-F5344CB8AC3E}">
+        <p14:creationId xmlns:p14="http://schemas.microsoft.com/office/powerpoint/2010/main" val="476768779"/>
+      </p:ext>
+    </p:extLst>
+  </p:cSld>
+  <p:clrMapOvr>
+    <a:masterClrMapping/>
+  </p:clrMapOvr>
+  <p:timing>
+    <p:tnLst>
+      <p:par>
+        <p:cTn id="1" dur="indefinite" restart="never" nodeType="tmRoot"/>
+      </p:par>
+    </p:tnLst>
+  </p:timing>
+</p:sld>
+</file>
+
+<file path=ppt/slides/slide15.xml><?xml version="1.0" encoding="utf-8"?>
+<p:sld xmlns:a="http://schemas.openxmlformats.org/drawingml/2006/main" xmlns:r="http://schemas.openxmlformats.org/officeDocument/2006/relationships" xmlns:p="http://schemas.openxmlformats.org/presentationml/2006/main">
+  <p:cSld>
+    <p:spTree>
+      <p:nvGrpSpPr>
+        <p:cNvPr id="1" name=""/>
+        <p:cNvGrpSpPr/>
+        <p:nvPr/>
+      </p:nvGrpSpPr>
+      <p:grpSpPr>
+        <a:xfrm>
+          <a:off x="0" y="0"/>
+          <a:ext cx="0" cy="0"/>
+          <a:chOff x="0" y="0"/>
+          <a:chExt cx="0" cy="0"/>
+        </a:xfrm>
+      </p:grpSpPr>
+      <p:sp>
+        <p:nvSpPr>
+          <p:cNvPr id="4" name="Title 3"/>
+          <p:cNvSpPr>
+            <a:spLocks noGrp="1"/>
+          </p:cNvSpPr>
+          <p:nvPr>
+            <p:ph type="title"/>
+          </p:nvPr>
+        </p:nvSpPr>
+        <p:spPr/>
+        <p:txBody>
+          <a:bodyPr/>
+          <a:lstStyle/>
+          <a:p>
+            <a:r>
+              <a:rPr lang="en-US" dirty="0" smtClean="0"/>
+              <a:t>Acknowledgements</a:t>
+            </a:r>
+            <a:endParaRPr lang="en-US" dirty="0"/>
+          </a:p>
+        </p:txBody>
+      </p:sp>
+      <p:sp>
+        <p:nvSpPr>
+          <p:cNvPr id="5" name="Content Placeholder 4"/>
+          <p:cNvSpPr>
+            <a:spLocks noGrp="1"/>
+          </p:cNvSpPr>
+          <p:nvPr>
+            <p:ph sz="half" idx="1"/>
+          </p:nvPr>
+        </p:nvSpPr>
         <p:spPr/>
         <p:txBody>
           <a:bodyPr/>
@@ -3005,7 +3159,7 @@
         </p:blipFill>
         <p:spPr bwMode="auto">
           <a:xfrm>
-            <a:off x="5459094" y="1533359"/>
+            <a:off x="5501626" y="1469561"/>
             <a:ext cx="3060066" cy="4590100"/>
           </a:xfrm>
           <a:prstGeom prst="rect">
@@ -3043,7 +3197,7 @@
 </p:sld>
 </file>
 
-<file path=ppt/slides/slide15.xml><?xml version="1.0" encoding="utf-8"?>
+<file path=ppt/slides/slide16.xml><?xml version="1.0" encoding="utf-8"?>
 <p:sld xmlns:a="http://schemas.openxmlformats.org/drawingml/2006/main" xmlns:r="http://schemas.openxmlformats.org/officeDocument/2006/relationships" xmlns:p="http://schemas.openxmlformats.org/presentationml/2006/main">
   <p:cSld>
     <p:bg>
@@ -3099,7 +3253,7 @@
 </p:sld>
 </file>
 
-<file path=ppt/slides/slide16.xml><?xml version="1.0" encoding="utf-8"?>
+<file path=ppt/slides/slide17.xml><?xml version="1.0" encoding="utf-8"?>
 <p:sld xmlns:a="http://schemas.openxmlformats.org/drawingml/2006/main" xmlns:r="http://schemas.openxmlformats.org/officeDocument/2006/relationships" xmlns:p="http://schemas.openxmlformats.org/presentationml/2006/main">
   <p:cSld>
     <p:spTree>
@@ -3194,7 +3348,7 @@
 </p:sld>
 </file>
 
-<file path=ppt/slides/slide17.xml><?xml version="1.0" encoding="utf-8"?>
+<file path=ppt/slides/slide18.xml><?xml version="1.0" encoding="utf-8"?>
 <p:sld xmlns:a="http://schemas.openxmlformats.org/drawingml/2006/main" xmlns:r="http://schemas.openxmlformats.org/officeDocument/2006/relationships" xmlns:p="http://schemas.openxmlformats.org/presentationml/2006/main">
   <p:cSld>
     <p:spTree>
